--- a/presentaciones/defensa final/jhard final.pptx
+++ b/presentaciones/defensa final/jhard final.pptx
@@ -389,7 +389,7 @@
         <p:nvSpPr>
           <p:cNvPr id="47110" name="Rectangle 5"/>
           <p:cNvSpPr>
-            <a:spLocks noGrp="1" noChangeArrowheads="1"/>
+            <a:spLocks noGrp="1" noRot="1" noChangeAspect="1" noChangeArrowheads="1"/>
           </p:cNvSpPr>
           <p:nvPr>
             <p:ph type="sldImg"/>
@@ -910,7 +910,7 @@
         <p:nvSpPr>
           <p:cNvPr id="48133" name="Rectangle 3"/>
           <p:cNvSpPr txBox="1">
-            <a:spLocks noChangeArrowheads="1"/>
+            <a:spLocks noGrp="1" noChangeArrowheads="1"/>
           </p:cNvSpPr>
           <p:nvPr>
             <p:ph type="body"/>
@@ -995,7 +995,7 @@
         <p:nvSpPr>
           <p:cNvPr id="57347" name="Rectangle 1"/>
           <p:cNvSpPr txBox="1">
-            <a:spLocks noChangeArrowheads="1" noTextEdit="1"/>
+            <a:spLocks noGrp="1" noRot="1" noChangeAspect="1" noChangeArrowheads="1" noTextEdit="1"/>
           </p:cNvSpPr>
           <p:nvPr>
             <p:ph type="sldImg"/>
@@ -1013,7 +1013,7 @@
         <p:nvSpPr>
           <p:cNvPr id="57348" name="Rectangle 2"/>
           <p:cNvSpPr txBox="1">
-            <a:spLocks noChangeArrowheads="1"/>
+            <a:spLocks noGrp="1" noChangeArrowheads="1"/>
           </p:cNvSpPr>
           <p:nvPr>
             <p:ph type="body" idx="1"/>
@@ -1098,7 +1098,7 @@
         <p:nvSpPr>
           <p:cNvPr id="58371" name="Rectangle 1"/>
           <p:cNvSpPr txBox="1">
-            <a:spLocks noChangeArrowheads="1" noTextEdit="1"/>
+            <a:spLocks noGrp="1" noRot="1" noChangeAspect="1" noChangeArrowheads="1" noTextEdit="1"/>
           </p:cNvSpPr>
           <p:nvPr>
             <p:ph type="sldImg"/>
@@ -1116,7 +1116,7 @@
         <p:nvSpPr>
           <p:cNvPr id="58372" name="Rectangle 2"/>
           <p:cNvSpPr txBox="1">
-            <a:spLocks noChangeArrowheads="1"/>
+            <a:spLocks noGrp="1" noChangeArrowheads="1"/>
           </p:cNvSpPr>
           <p:nvPr>
             <p:ph type="body" idx="1"/>
@@ -1201,7 +1201,7 @@
         <p:nvSpPr>
           <p:cNvPr id="59395" name="Rectangle 1"/>
           <p:cNvSpPr txBox="1">
-            <a:spLocks noChangeArrowheads="1" noTextEdit="1"/>
+            <a:spLocks noGrp="1" noRot="1" noChangeAspect="1" noChangeArrowheads="1" noTextEdit="1"/>
           </p:cNvSpPr>
           <p:nvPr>
             <p:ph type="sldImg"/>
@@ -1219,7 +1219,7 @@
         <p:nvSpPr>
           <p:cNvPr id="59396" name="Rectangle 2"/>
           <p:cNvSpPr txBox="1">
-            <a:spLocks noChangeArrowheads="1"/>
+            <a:spLocks noGrp="1" noChangeArrowheads="1"/>
           </p:cNvSpPr>
           <p:nvPr>
             <p:ph type="body" idx="1"/>
@@ -1304,7 +1304,7 @@
         <p:nvSpPr>
           <p:cNvPr id="60419" name="Rectangle 1"/>
           <p:cNvSpPr txBox="1">
-            <a:spLocks noChangeArrowheads="1" noTextEdit="1"/>
+            <a:spLocks noGrp="1" noRot="1" noChangeAspect="1" noChangeArrowheads="1" noTextEdit="1"/>
           </p:cNvSpPr>
           <p:nvPr>
             <p:ph type="sldImg"/>
@@ -1322,7 +1322,7 @@
         <p:nvSpPr>
           <p:cNvPr id="60420" name="Rectangle 2"/>
           <p:cNvSpPr txBox="1">
-            <a:spLocks noChangeArrowheads="1"/>
+            <a:spLocks noGrp="1" noChangeArrowheads="1"/>
           </p:cNvSpPr>
           <p:nvPr>
             <p:ph type="body" idx="1"/>
@@ -1407,7 +1407,7 @@
         <p:nvSpPr>
           <p:cNvPr id="61443" name="Rectangle 1"/>
           <p:cNvSpPr txBox="1">
-            <a:spLocks noChangeArrowheads="1" noTextEdit="1"/>
+            <a:spLocks noGrp="1" noRot="1" noChangeAspect="1" noChangeArrowheads="1" noTextEdit="1"/>
           </p:cNvSpPr>
           <p:nvPr>
             <p:ph type="sldImg"/>
@@ -1425,7 +1425,7 @@
         <p:nvSpPr>
           <p:cNvPr id="61444" name="Rectangle 2"/>
           <p:cNvSpPr txBox="1">
-            <a:spLocks noChangeArrowheads="1"/>
+            <a:spLocks noGrp="1" noChangeArrowheads="1"/>
           </p:cNvSpPr>
           <p:nvPr>
             <p:ph type="body" idx="1"/>
@@ -1510,7 +1510,7 @@
         <p:nvSpPr>
           <p:cNvPr id="62467" name="Rectangle 1"/>
           <p:cNvSpPr txBox="1">
-            <a:spLocks noChangeArrowheads="1" noTextEdit="1"/>
+            <a:spLocks noGrp="1" noRot="1" noChangeAspect="1" noChangeArrowheads="1" noTextEdit="1"/>
           </p:cNvSpPr>
           <p:nvPr>
             <p:ph type="sldImg"/>
@@ -1528,7 +1528,7 @@
         <p:nvSpPr>
           <p:cNvPr id="62468" name="Rectangle 2"/>
           <p:cNvSpPr txBox="1">
-            <a:spLocks noChangeArrowheads="1"/>
+            <a:spLocks noGrp="1" noChangeArrowheads="1"/>
           </p:cNvSpPr>
           <p:nvPr>
             <p:ph type="body" idx="1"/>
@@ -1613,7 +1613,7 @@
         <p:nvSpPr>
           <p:cNvPr id="63491" name="Rectangle 1"/>
           <p:cNvSpPr txBox="1">
-            <a:spLocks noChangeArrowheads="1" noTextEdit="1"/>
+            <a:spLocks noGrp="1" noRot="1" noChangeAspect="1" noChangeArrowheads="1" noTextEdit="1"/>
           </p:cNvSpPr>
           <p:nvPr>
             <p:ph type="sldImg"/>
@@ -1631,7 +1631,7 @@
         <p:nvSpPr>
           <p:cNvPr id="63492" name="Rectangle 2"/>
           <p:cNvSpPr txBox="1">
-            <a:spLocks noChangeArrowheads="1"/>
+            <a:spLocks noGrp="1" noChangeArrowheads="1"/>
           </p:cNvSpPr>
           <p:nvPr>
             <p:ph type="body" idx="1"/>
@@ -1752,7 +1752,7 @@
         <p:nvSpPr>
           <p:cNvPr id="64516" name="Rectangle 2"/>
           <p:cNvSpPr txBox="1">
-            <a:spLocks noChangeArrowheads="1"/>
+            <a:spLocks noGrp="1" noChangeArrowheads="1"/>
           </p:cNvSpPr>
           <p:nvPr>
             <p:ph type="body"/>
@@ -1873,7 +1873,7 @@
         <p:nvSpPr>
           <p:cNvPr id="65540" name="Text Box 2"/>
           <p:cNvSpPr txBox="1">
-            <a:spLocks noChangeArrowheads="1"/>
+            <a:spLocks noGrp="1" noChangeArrowheads="1"/>
           </p:cNvSpPr>
           <p:nvPr>
             <p:ph type="body"/>
@@ -2096,7 +2096,7 @@
         <p:nvSpPr>
           <p:cNvPr id="66564" name="Text Box 2"/>
           <p:cNvSpPr txBox="1">
-            <a:spLocks noChangeArrowheads="1"/>
+            <a:spLocks noGrp="1" noChangeArrowheads="1"/>
           </p:cNvSpPr>
           <p:nvPr>
             <p:ph type="body"/>
@@ -2344,7 +2344,7 @@
         <p:nvSpPr>
           <p:cNvPr id="49157" name="Rectangle 3"/>
           <p:cNvSpPr txBox="1">
-            <a:spLocks noChangeArrowheads="1"/>
+            <a:spLocks noGrp="1" noChangeArrowheads="1"/>
           </p:cNvSpPr>
           <p:nvPr>
             <p:ph type="body"/>
@@ -2465,7 +2465,7 @@
         <p:nvSpPr>
           <p:cNvPr id="67588" name="Rectangle 2"/>
           <p:cNvSpPr txBox="1">
-            <a:spLocks noChangeArrowheads="1"/>
+            <a:spLocks noGrp="1" noChangeArrowheads="1"/>
           </p:cNvSpPr>
           <p:nvPr>
             <p:ph type="body"/>
@@ -2586,7 +2586,7 @@
         <p:nvSpPr>
           <p:cNvPr id="68612" name="Text Box 2"/>
           <p:cNvSpPr txBox="1">
-            <a:spLocks noChangeArrowheads="1"/>
+            <a:spLocks noGrp="1" noChangeArrowheads="1"/>
           </p:cNvSpPr>
           <p:nvPr>
             <p:ph type="body"/>
@@ -2976,7 +2976,7 @@
         <p:nvSpPr>
           <p:cNvPr id="69636" name="Text Box 2"/>
           <p:cNvSpPr txBox="1">
-            <a:spLocks noChangeArrowheads="1"/>
+            <a:spLocks noGrp="1" noChangeArrowheads="1"/>
           </p:cNvSpPr>
           <p:nvPr>
             <p:ph type="body"/>
@@ -3356,7 +3356,7 @@
         <p:nvSpPr>
           <p:cNvPr id="70660" name="Text Box 2"/>
           <p:cNvSpPr txBox="1">
-            <a:spLocks noChangeArrowheads="1"/>
+            <a:spLocks noGrp="1" noChangeArrowheads="1"/>
           </p:cNvSpPr>
           <p:nvPr>
             <p:ph type="body"/>
@@ -3914,7 +3914,7 @@
         <p:nvSpPr>
           <p:cNvPr id="71684" name="Text Box 2"/>
           <p:cNvSpPr txBox="1">
-            <a:spLocks noChangeArrowheads="1"/>
+            <a:spLocks noGrp="1" noChangeArrowheads="1"/>
           </p:cNvSpPr>
           <p:nvPr>
             <p:ph type="body"/>
@@ -4472,7 +4472,7 @@
         <p:nvSpPr>
           <p:cNvPr id="72708" name="Text Box 2"/>
           <p:cNvSpPr txBox="1">
-            <a:spLocks noChangeArrowheads="1"/>
+            <a:spLocks noGrp="1" noChangeArrowheads="1"/>
           </p:cNvSpPr>
           <p:nvPr>
             <p:ph type="body"/>
@@ -5096,7 +5096,7 @@
         <p:nvSpPr>
           <p:cNvPr id="73732" name="Text Box 2"/>
           <p:cNvSpPr txBox="1">
-            <a:spLocks noChangeArrowheads="1"/>
+            <a:spLocks noGrp="1" noChangeArrowheads="1"/>
           </p:cNvSpPr>
           <p:nvPr>
             <p:ph type="body"/>
@@ -6357,7 +6357,7 @@
         <p:nvSpPr>
           <p:cNvPr id="74756" name="Text Box 2"/>
           <p:cNvSpPr txBox="1">
-            <a:spLocks noChangeArrowheads="1"/>
+            <a:spLocks noGrp="1" noChangeArrowheads="1"/>
           </p:cNvSpPr>
           <p:nvPr>
             <p:ph type="body"/>
@@ -7082,7 +7082,7 @@
         <p:nvSpPr>
           <p:cNvPr id="75780" name="Text Box 2"/>
           <p:cNvSpPr txBox="1">
-            <a:spLocks noChangeArrowheads="1"/>
+            <a:spLocks noGrp="1" noChangeArrowheads="1"/>
           </p:cNvSpPr>
           <p:nvPr>
             <p:ph type="body"/>
@@ -7582,7 +7582,7 @@
         <p:nvSpPr>
           <p:cNvPr id="76804" name="Text Box 2"/>
           <p:cNvSpPr txBox="1">
-            <a:spLocks noChangeArrowheads="1"/>
+            <a:spLocks noGrp="1" noChangeArrowheads="1"/>
           </p:cNvSpPr>
           <p:nvPr>
             <p:ph type="body"/>
@@ -8340,7 +8340,7 @@
         <p:nvSpPr>
           <p:cNvPr id="50181" name="Rectangle 3"/>
           <p:cNvSpPr txBox="1">
-            <a:spLocks noChangeArrowheads="1"/>
+            <a:spLocks noGrp="1" noChangeArrowheads="1"/>
           </p:cNvSpPr>
           <p:nvPr>
             <p:ph type="body"/>
@@ -8461,7 +8461,7 @@
         <p:nvSpPr>
           <p:cNvPr id="77828" name="Rectangle 2"/>
           <p:cNvSpPr txBox="1">
-            <a:spLocks noChangeArrowheads="1"/>
+            <a:spLocks noGrp="1" noChangeArrowheads="1"/>
           </p:cNvSpPr>
           <p:nvPr>
             <p:ph type="body"/>
@@ -8582,7 +8582,7 @@
         <p:nvSpPr>
           <p:cNvPr id="78852" name="Text Box 2"/>
           <p:cNvSpPr txBox="1">
-            <a:spLocks noChangeArrowheads="1"/>
+            <a:spLocks noGrp="1" noChangeArrowheads="1"/>
           </p:cNvSpPr>
           <p:nvPr>
             <p:ph type="body"/>
@@ -8632,28 +8632,28 @@
               </a:tabLst>
             </a:pPr>
             <a:r>
-              <a:rPr lang="es-ES" sz="800" smtClean="0">
+              <a:rPr lang="es-ES" sz="800" dirty="0" smtClean="0">
                 <a:latin typeface="Arial" charset="0"/>
                 <a:cs typeface="DejaVu Sans" charset="0"/>
               </a:rPr>
               <a:t>La </a:t>
             </a:r>
             <a:r>
-              <a:rPr lang="es-ES" sz="800" b="1" smtClean="0">
+              <a:rPr lang="es-ES" sz="800" b="1" dirty="0" smtClean="0">
                 <a:latin typeface="Arial" charset="0"/>
                 <a:cs typeface="DejaVu Sans" charset="0"/>
               </a:rPr>
               <a:t>programación por capas</a:t>
             </a:r>
             <a:r>
-              <a:rPr lang="es-ES" sz="800" smtClean="0">
+              <a:rPr lang="es-ES" sz="800" dirty="0" smtClean="0">
                 <a:latin typeface="Arial" charset="0"/>
                 <a:cs typeface="DejaVu Sans" charset="0"/>
               </a:rPr>
               <a:t> es un estilo de </a:t>
             </a:r>
             <a:r>
-              <a:rPr lang="es-ES" sz="800" smtClean="0">
+              <a:rPr lang="es-ES" sz="800" dirty="0" smtClean="0">
                 <a:solidFill>
                   <a:srgbClr val="CCCCFF"/>
                 </a:solidFill>
@@ -8664,7 +8664,7 @@
               <a:t>programación</a:t>
             </a:r>
             <a:r>
-              <a:rPr lang="es-ES" sz="800" smtClean="0">
+              <a:rPr lang="es-ES" sz="800" dirty="0" smtClean="0">
                 <a:latin typeface="Arial" charset="0"/>
                 <a:cs typeface="DejaVu Sans" charset="0"/>
               </a:rPr>
@@ -8703,7 +8703,7 @@
                 <a:tab pos="8983663" algn="l"/>
               </a:tabLst>
             </a:pPr>
-            <a:endParaRPr lang="es-ES" sz="800" smtClean="0">
+            <a:endParaRPr lang="es-ES" sz="800" dirty="0" smtClean="0">
               <a:latin typeface="Arial" charset="0"/>
               <a:cs typeface="DejaVu Sans" charset="0"/>
             </a:endParaRPr>
@@ -8741,14 +8741,14 @@
               </a:tabLst>
             </a:pPr>
             <a:r>
-              <a:rPr lang="es-ES" sz="800" smtClean="0">
+              <a:rPr lang="es-ES" sz="800" dirty="0" smtClean="0">
                 <a:latin typeface="Arial" charset="0"/>
                 <a:cs typeface="DejaVu Sans" charset="0"/>
               </a:rPr>
               <a:t>La ventaja principal de este estilo es que el desarrollo se puede llevar a cabo en varios niveles y, en caso de que sobrevenga algún cambio, sólo se ataca al nivel requerido sin tener que revisar entre código mezclado. Un buen ejemplo de este método de programación sería el </a:t>
             </a:r>
             <a:r>
-              <a:rPr lang="es-ES" sz="800" smtClean="0">
+              <a:rPr lang="es-ES" sz="800" dirty="0" smtClean="0">
                 <a:solidFill>
                   <a:srgbClr val="CCCCFF"/>
                 </a:solidFill>
@@ -8759,7 +8759,7 @@
               <a:t>modelo de interconexión de sistemas abiertos</a:t>
             </a:r>
             <a:r>
-              <a:rPr lang="es-ES" sz="800" smtClean="0">
+              <a:rPr lang="es-ES" sz="800" dirty="0" smtClean="0">
                 <a:latin typeface="Arial" charset="0"/>
                 <a:cs typeface="DejaVu Sans" charset="0"/>
               </a:rPr>
@@ -8799,14 +8799,14 @@
               </a:tabLst>
             </a:pPr>
             <a:r>
-              <a:rPr lang="es-ES" sz="800" smtClean="0">
+              <a:rPr lang="es-ES" sz="800" dirty="0" smtClean="0">
                 <a:latin typeface="Arial" charset="0"/>
                 <a:cs typeface="DejaVu Sans" charset="0"/>
               </a:rPr>
               <a:t>Además, permite distribuir el trabajo de creación de una aplicación por niveles; de este modo, cada grupo de trabajo está totalmente </a:t>
             </a:r>
             <a:r>
-              <a:rPr lang="es-ES" sz="800" smtClean="0">
+              <a:rPr lang="es-ES" sz="800" dirty="0" smtClean="0">
                 <a:solidFill>
                   <a:srgbClr val="CCCCFF"/>
                 </a:solidFill>
@@ -8817,14 +8817,14 @@
               <a:t>abstraído</a:t>
             </a:r>
             <a:r>
-              <a:rPr lang="es-ES" sz="800" smtClean="0">
+              <a:rPr lang="es-ES" sz="800" dirty="0" smtClean="0">
                 <a:latin typeface="Arial" charset="0"/>
                 <a:cs typeface="DejaVu Sans" charset="0"/>
               </a:rPr>
               <a:t> del resto de niveles, de forma que basta con conocer la </a:t>
             </a:r>
             <a:r>
-              <a:rPr lang="es-ES" sz="800" smtClean="0">
+              <a:rPr lang="es-ES" sz="800" dirty="0" smtClean="0">
                 <a:solidFill>
                   <a:srgbClr val="CCCCFF"/>
                 </a:solidFill>
@@ -8835,7 +8835,7 @@
               <a:t>API</a:t>
             </a:r>
             <a:r>
-              <a:rPr lang="es-ES" sz="800" smtClean="0">
+              <a:rPr lang="es-ES" sz="800" dirty="0" smtClean="0">
                 <a:latin typeface="Arial" charset="0"/>
                 <a:cs typeface="DejaVu Sans" charset="0"/>
               </a:rPr>
@@ -8875,14 +8875,14 @@
               </a:tabLst>
             </a:pPr>
             <a:r>
-              <a:rPr lang="es-ES" sz="800" smtClean="0">
+              <a:rPr lang="es-ES" sz="800" dirty="0" smtClean="0">
                 <a:latin typeface="Arial" charset="0"/>
                 <a:cs typeface="DejaVu Sans" charset="0"/>
               </a:rPr>
               <a:t>En el </a:t>
             </a:r>
             <a:r>
-              <a:rPr lang="es-ES" sz="800" smtClean="0">
+              <a:rPr lang="es-ES" sz="800" dirty="0" smtClean="0">
                 <a:solidFill>
                   <a:srgbClr val="CCCCFF"/>
                 </a:solidFill>
@@ -8893,14 +8893,14 @@
               <a:t>diseño</a:t>
             </a:r>
             <a:r>
-              <a:rPr lang="es-ES" sz="800" smtClean="0">
+              <a:rPr lang="es-ES" sz="800" dirty="0" smtClean="0">
                 <a:latin typeface="Arial" charset="0"/>
                 <a:cs typeface="DejaVu Sans" charset="0"/>
               </a:rPr>
               <a:t> de </a:t>
             </a:r>
             <a:r>
-              <a:rPr lang="es-ES" sz="800" smtClean="0">
+              <a:rPr lang="es-ES" sz="800" dirty="0" smtClean="0">
                 <a:solidFill>
                   <a:srgbClr val="CCCCFF"/>
                 </a:solidFill>
@@ -8911,14 +8911,14 @@
               <a:t>sistemas informáticos</a:t>
             </a:r>
             <a:r>
-              <a:rPr lang="es-ES" sz="800" smtClean="0">
+              <a:rPr lang="es-ES" sz="800" dirty="0" smtClean="0">
                 <a:latin typeface="Arial" charset="0"/>
                 <a:cs typeface="DejaVu Sans" charset="0"/>
               </a:rPr>
               <a:t> actual se suele usar las </a:t>
             </a:r>
             <a:r>
-              <a:rPr lang="es-ES" sz="800" smtClean="0">
+              <a:rPr lang="es-ES" sz="800" dirty="0" smtClean="0">
                 <a:solidFill>
                   <a:srgbClr val="CCCCFF"/>
                 </a:solidFill>
@@ -8929,7 +8929,7 @@
               <a:t>arquitecturas multinivel</a:t>
             </a:r>
             <a:r>
-              <a:rPr lang="es-ES" sz="800" smtClean="0">
+              <a:rPr lang="es-ES" sz="800" dirty="0" smtClean="0">
                 <a:latin typeface="Arial" charset="0"/>
                 <a:cs typeface="DejaVu Sans" charset="0"/>
               </a:rPr>
@@ -8969,7 +8969,7 @@
               </a:tabLst>
             </a:pPr>
             <a:r>
-              <a:rPr lang="es-ES" sz="800" smtClean="0">
+              <a:rPr lang="es-ES" sz="800" dirty="0" smtClean="0">
                 <a:latin typeface="Arial" charset="0"/>
                 <a:cs typeface="DejaVu Sans" charset="0"/>
               </a:rPr>
@@ -9009,7 +9009,7 @@
               </a:tabLst>
             </a:pPr>
             <a:r>
-              <a:rPr lang="es-ES" sz="800" b="1" smtClean="0">
+              <a:rPr lang="es-ES" sz="800" b="1" dirty="0" smtClean="0">
                 <a:latin typeface="Arial" charset="0"/>
                 <a:cs typeface="DejaVu Sans" charset="0"/>
               </a:rPr>
@@ -9049,14 +9049,14 @@
               </a:tabLst>
             </a:pPr>
             <a:r>
-              <a:rPr lang="es-ES" sz="800" b="1" smtClean="0">
+              <a:rPr lang="es-ES" sz="800" b="1" dirty="0" smtClean="0">
                 <a:latin typeface="Arial" charset="0"/>
                 <a:cs typeface="DejaVu Sans" charset="0"/>
               </a:rPr>
               <a:t>1.- Capa de presentación:</a:t>
             </a:r>
             <a:r>
-              <a:rPr lang="es-ES" sz="800" smtClean="0">
+              <a:rPr lang="es-ES" sz="800" dirty="0" smtClean="0">
                 <a:latin typeface="Arial" charset="0"/>
                 <a:cs typeface="DejaVu Sans" charset="0"/>
               </a:rPr>
@@ -9096,21 +9096,21 @@
               </a:tabLst>
             </a:pPr>
             <a:r>
-              <a:rPr lang="es-ES" sz="800" b="1" smtClean="0">
+              <a:rPr lang="es-ES" sz="800" b="1" dirty="0" smtClean="0">
                 <a:latin typeface="Arial" charset="0"/>
                 <a:cs typeface="DejaVu Sans" charset="0"/>
               </a:rPr>
               <a:t>2.- Capa de negocio:</a:t>
             </a:r>
             <a:r>
-              <a:rPr lang="es-ES" sz="800" smtClean="0">
+              <a:rPr lang="es-ES" sz="800" dirty="0" smtClean="0">
                 <a:latin typeface="Arial" charset="0"/>
                 <a:cs typeface="DejaVu Sans" charset="0"/>
               </a:rPr>
               <a:t> es donde residen los </a:t>
             </a:r>
             <a:r>
-              <a:rPr lang="es-ES" sz="800" smtClean="0">
+              <a:rPr lang="es-ES" sz="800" dirty="0" smtClean="0">
                 <a:solidFill>
                   <a:srgbClr val="CCCCFF"/>
                 </a:solidFill>
@@ -9121,14 +9121,14 @@
               <a:t>programas</a:t>
             </a:r>
             <a:r>
-              <a:rPr lang="es-ES" sz="800" smtClean="0">
+              <a:rPr lang="es-ES" sz="800" dirty="0" smtClean="0">
                 <a:latin typeface="Arial" charset="0"/>
                 <a:cs typeface="DejaVu Sans" charset="0"/>
               </a:rPr>
               <a:t> que se ejecutan, se reciben las peticiones del usuario y se envían las respuestas tras el proceso. Se denomina capa de negocio (e incluso de lógica del negocio) porque es aquí donde se establecen todas las reglas que deben cumplirse. Esta capa se comunica con la capa de presentación, para recibir las solicitudes y presentar los resultados, y con la capa de datos, para solicitar al gestor de </a:t>
             </a:r>
             <a:r>
-              <a:rPr lang="es-ES" sz="800" smtClean="0">
+              <a:rPr lang="es-ES" sz="800" dirty="0" smtClean="0">
                 <a:solidFill>
                   <a:srgbClr val="CCCCFF"/>
                 </a:solidFill>
@@ -9139,7 +9139,7 @@
               <a:t>base de datos</a:t>
             </a:r>
             <a:r>
-              <a:rPr lang="es-ES" sz="800" smtClean="0">
+              <a:rPr lang="es-ES" sz="800" dirty="0" smtClean="0">
                 <a:latin typeface="Arial" charset="0"/>
                 <a:cs typeface="DejaVu Sans" charset="0"/>
               </a:rPr>
@@ -9179,14 +9179,14 @@
               </a:tabLst>
             </a:pPr>
             <a:r>
-              <a:rPr lang="es-ES" sz="800" b="1" smtClean="0">
+              <a:rPr lang="es-ES" sz="800" b="1" dirty="0" smtClean="0">
                 <a:latin typeface="Arial" charset="0"/>
                 <a:cs typeface="DejaVu Sans" charset="0"/>
               </a:rPr>
               <a:t>3.- Capa de datos:</a:t>
             </a:r>
             <a:r>
-              <a:rPr lang="es-ES" sz="800" smtClean="0">
+              <a:rPr lang="es-ES" sz="800" dirty="0" smtClean="0">
                 <a:latin typeface="Arial" charset="0"/>
                 <a:cs typeface="DejaVu Sans" charset="0"/>
               </a:rPr>
@@ -9226,14 +9226,14 @@
               </a:tabLst>
             </a:pPr>
             <a:r>
-              <a:rPr lang="es-ES" sz="800" smtClean="0">
+              <a:rPr lang="es-ES" sz="800" dirty="0" smtClean="0">
                 <a:latin typeface="Arial" charset="0"/>
                 <a:cs typeface="DejaVu Sans" charset="0"/>
               </a:rPr>
               <a:t>Todas estas capas pueden residir en un único ordenador, si bien lo más usual es que haya una multitud de ordenadores en donde reside la capa de presentación (son los clientes de la arquitectura cliente/servidor). Las capas de negocio y de datos pueden residir en el mismo ordenador, y si el crecimiento de las necesidades lo aconseja se pueden separar en dos o más </a:t>
             </a:r>
             <a:r>
-              <a:rPr lang="es-ES" sz="800" smtClean="0">
+              <a:rPr lang="es-ES" sz="800" dirty="0" smtClean="0">
                 <a:solidFill>
                   <a:srgbClr val="CCCCFF"/>
                 </a:solidFill>
@@ -9244,7 +9244,7 @@
               <a:t>ordenadores</a:t>
             </a:r>
             <a:r>
-              <a:rPr lang="es-ES" sz="800" smtClean="0">
+              <a:rPr lang="es-ES" sz="800" dirty="0" smtClean="0">
                 <a:latin typeface="Arial" charset="0"/>
                 <a:cs typeface="DejaVu Sans" charset="0"/>
               </a:rPr>
@@ -9284,7 +9284,7 @@
               </a:tabLst>
             </a:pPr>
             <a:r>
-              <a:rPr lang="es-ES" sz="800" smtClean="0">
+              <a:rPr lang="es-ES" sz="800" dirty="0" smtClean="0">
                 <a:latin typeface="Arial" charset="0"/>
                 <a:cs typeface="DejaVu Sans" charset="0"/>
               </a:rPr>
@@ -9324,20 +9324,20 @@
               </a:tabLst>
             </a:pPr>
             <a:r>
-              <a:rPr lang="es-ES" sz="800" smtClean="0">
+              <a:rPr lang="es-ES" sz="800" dirty="0" smtClean="0">
                 <a:latin typeface="Arial" charset="0"/>
                 <a:cs typeface="DejaVu Sans" charset="0"/>
               </a:rPr>
               <a:t>--</a:t>
             </a:r>
             <a:br>
-              <a:rPr lang="es-ES" sz="800" smtClean="0">
+              <a:rPr lang="es-ES" sz="800" dirty="0" smtClean="0">
                 <a:latin typeface="Arial" charset="0"/>
                 <a:cs typeface="DejaVu Sans" charset="0"/>
               </a:rPr>
             </a:br>
             <a:r>
-              <a:rPr lang="es-ES" sz="800" smtClean="0">
+              <a:rPr lang="es-ES" sz="800" dirty="0" smtClean="0">
                 <a:latin typeface="Arial" charset="0"/>
                 <a:cs typeface="DejaVu Sans" charset="0"/>
               </a:rPr>
@@ -9377,7 +9377,7 @@
               </a:tabLst>
             </a:pPr>
             <a:r>
-              <a:rPr lang="es-ES" sz="800" smtClean="0">
+              <a:rPr lang="es-ES" sz="800" dirty="0" smtClean="0">
                 <a:latin typeface="Arial" charset="0"/>
                 <a:cs typeface="DejaVu Sans" charset="0"/>
               </a:rPr>
@@ -9417,21 +9417,49 @@
               </a:tabLst>
             </a:pPr>
             <a:r>
-              <a:rPr lang="es-ES" sz="800" smtClean="0">
+              <a:rPr lang="es-ES" sz="800" dirty="0" smtClean="0">
                 <a:latin typeface="Arial" charset="0"/>
                 <a:cs typeface="DejaVu Sans" charset="0"/>
               </a:rPr>
-              <a:t>Presentación/ Lógica de Negocio/ Datos.En cambio, el término "nivel" corresponde a la forma en que las capas lógicas se encuentran distribuidas de forma física. Por ejemplo Una solución de tres capas (presentación, lógica del negocio, datos) que residen en un solo ordenador (Presentación+lógica+datos). Se dice que la arquitectura de la solución es de tres capas y </a:t>
-            </a:r>
-            <a:r>
-              <a:rPr lang="es-ES" sz="800" i="1" smtClean="0">
+              <a:t>Presentación/ Lógica de Negocio/ </a:t>
+            </a:r>
+            <a:r>
+              <a:rPr lang="es-ES" sz="800" dirty="0" err="1" smtClean="0">
                 <a:latin typeface="Arial" charset="0"/>
                 <a:cs typeface="DejaVu Sans" charset="0"/>
               </a:rPr>
+              <a:t>Datos.En</a:t>
+            </a:r>
+            <a:r>
+              <a:rPr lang="es-ES" sz="800" dirty="0" smtClean="0">
+                <a:latin typeface="Arial" charset="0"/>
+                <a:cs typeface="DejaVu Sans" charset="0"/>
+              </a:rPr>
+              <a:t> cambio, el término "nivel" corresponde a la forma en que las capas lógicas se encuentran distribuidas de forma física. Por ejemplo Una solución de tres capas (presentación, lógica del negocio, datos) que residen en un solo ordenador (</a:t>
+            </a:r>
+            <a:r>
+              <a:rPr lang="es-ES" sz="800" dirty="0" err="1" smtClean="0">
+                <a:latin typeface="Arial" charset="0"/>
+                <a:cs typeface="DejaVu Sans" charset="0"/>
+              </a:rPr>
+              <a:t>Presentación+lógica+datos</a:t>
+            </a:r>
+            <a:r>
+              <a:rPr lang="es-ES" sz="800" dirty="0" smtClean="0">
+                <a:latin typeface="Arial" charset="0"/>
+                <a:cs typeface="DejaVu Sans" charset="0"/>
+              </a:rPr>
+              <a:t>). Se dice que la arquitectura de la solución es de tres capas y </a:t>
+            </a:r>
+            <a:r>
+              <a:rPr lang="es-ES" sz="800" i="1" dirty="0" smtClean="0">
+                <a:latin typeface="Arial" charset="0"/>
+                <a:cs typeface="DejaVu Sans" charset="0"/>
+              </a:rPr>
               <a:t>un nivel</a:t>
             </a:r>
             <a:r>
-              <a:rPr lang="es-ES" sz="800" smtClean="0">
+              <a:rPr lang="es-ES" sz="800" dirty="0" smtClean="0">
                 <a:latin typeface="Arial" charset="0"/>
                 <a:cs typeface="DejaVu Sans" charset="0"/>
               </a:rPr>
@@ -9471,21 +9499,49 @@
               </a:tabLst>
             </a:pPr>
             <a:r>
-              <a:rPr lang="es-ES" sz="800" smtClean="0">
+              <a:rPr lang="es-ES" sz="800" dirty="0" smtClean="0">
                 <a:latin typeface="Arial" charset="0"/>
                 <a:cs typeface="DejaVu Sans" charset="0"/>
               </a:rPr>
-              <a:t>Una solución de tres capas (presentación, lógica del negocio, datos) que residen en dos ordenadores (presentación+lógica, lógica+datos). Se dice que la arquitectura de la solución es de tres capas y </a:t>
-            </a:r>
-            <a:r>
-              <a:rPr lang="es-ES" sz="800" i="1" smtClean="0">
+              <a:t>Una solución de tres capas (presentación, lógica del negocio, datos) que residen en dos ordenadores (</a:t>
+            </a:r>
+            <a:r>
+              <a:rPr lang="es-ES" sz="800" dirty="0" err="1" smtClean="0">
                 <a:latin typeface="Arial" charset="0"/>
                 <a:cs typeface="DejaVu Sans" charset="0"/>
               </a:rPr>
+              <a:t>presentación+lógica</a:t>
+            </a:r>
+            <a:r>
+              <a:rPr lang="es-ES" sz="800" dirty="0" smtClean="0">
+                <a:latin typeface="Arial" charset="0"/>
+                <a:cs typeface="DejaVu Sans" charset="0"/>
+              </a:rPr>
+              <a:t>, </a:t>
+            </a:r>
+            <a:r>
+              <a:rPr lang="es-ES" sz="800" dirty="0" err="1" smtClean="0">
+                <a:latin typeface="Arial" charset="0"/>
+                <a:cs typeface="DejaVu Sans" charset="0"/>
+              </a:rPr>
+              <a:t>lógica+datos</a:t>
+            </a:r>
+            <a:r>
+              <a:rPr lang="es-ES" sz="800" dirty="0" smtClean="0">
+                <a:latin typeface="Arial" charset="0"/>
+                <a:cs typeface="DejaVu Sans" charset="0"/>
+              </a:rPr>
+              <a:t>). Se dice que la arquitectura de la solución es de tres capas y </a:t>
+            </a:r>
+            <a:r>
+              <a:rPr lang="es-ES" sz="800" i="1" dirty="0" smtClean="0">
+                <a:latin typeface="Arial" charset="0"/>
+                <a:cs typeface="DejaVu Sans" charset="0"/>
+              </a:rPr>
               <a:t>dos niveles</a:t>
             </a:r>
             <a:r>
-              <a:rPr lang="es-ES" sz="800" smtClean="0">
+              <a:rPr lang="es-ES" sz="800" dirty="0" smtClean="0">
                 <a:latin typeface="Arial" charset="0"/>
                 <a:cs typeface="DejaVu Sans" charset="0"/>
               </a:rPr>
@@ -9525,21 +9581,21 @@
               </a:tabLst>
             </a:pPr>
             <a:r>
-              <a:rPr lang="es-ES" sz="800" smtClean="0">
+              <a:rPr lang="es-ES" sz="800" dirty="0" smtClean="0">
                 <a:latin typeface="Arial" charset="0"/>
                 <a:cs typeface="DejaVu Sans" charset="0"/>
               </a:rPr>
               <a:t>Una solución de tres capas (presentación, lógica del negocio, datos) que residen en tres ordenadores (presentación, lógica, datos). La arquitectura que la define es: solución de tres capas y </a:t>
             </a:r>
             <a:r>
-              <a:rPr lang="es-ES" sz="800" i="1" smtClean="0">
+              <a:rPr lang="es-ES" sz="800" i="1" dirty="0" smtClean="0">
                 <a:latin typeface="Arial" charset="0"/>
                 <a:cs typeface="DejaVu Sans" charset="0"/>
               </a:rPr>
               <a:t>tres niveles</a:t>
             </a:r>
             <a:r>
-              <a:rPr lang="es-ES" sz="800" smtClean="0">
+              <a:rPr lang="es-ES" sz="800" dirty="0" smtClean="0">
                 <a:latin typeface="Arial" charset="0"/>
                 <a:cs typeface="DejaVu Sans" charset="0"/>
               </a:rPr>
@@ -9578,7 +9634,7 @@
                 <a:tab pos="8983663" algn="l"/>
               </a:tabLst>
             </a:pPr>
-            <a:endParaRPr lang="es-ES" sz="800" smtClean="0">
+            <a:endParaRPr lang="es-ES" sz="800" dirty="0" smtClean="0">
               <a:latin typeface="Arial" charset="0"/>
               <a:cs typeface="DejaVu Sans" charset="0"/>
             </a:endParaRPr>
@@ -9684,7 +9740,7 @@
         <p:nvSpPr>
           <p:cNvPr id="79876" name="Text Box 2"/>
           <p:cNvSpPr txBox="1">
-            <a:spLocks noChangeArrowheads="1"/>
+            <a:spLocks noGrp="1" noChangeArrowheads="1"/>
           </p:cNvSpPr>
           <p:nvPr>
             <p:ph type="body"/>
@@ -10501,7 +10557,7 @@
         <p:nvSpPr>
           <p:cNvPr id="80900" name="Rectangle 2"/>
           <p:cNvSpPr txBox="1">
-            <a:spLocks noChangeArrowheads="1"/>
+            <a:spLocks noGrp="1" noChangeArrowheads="1"/>
           </p:cNvSpPr>
           <p:nvPr>
             <p:ph type="body"/>
@@ -10622,7 +10678,7 @@
         <p:nvSpPr>
           <p:cNvPr id="81924" name="Rectangle 2"/>
           <p:cNvSpPr txBox="1">
-            <a:spLocks noChangeArrowheads="1"/>
+            <a:spLocks noGrp="1" noChangeArrowheads="1"/>
           </p:cNvSpPr>
           <p:nvPr>
             <p:ph type="body"/>
@@ -10743,7 +10799,7 @@
         <p:nvSpPr>
           <p:cNvPr id="82948" name="Rectangle 2"/>
           <p:cNvSpPr txBox="1">
-            <a:spLocks noChangeArrowheads="1"/>
+            <a:spLocks noGrp="1" noChangeArrowheads="1"/>
           </p:cNvSpPr>
           <p:nvPr>
             <p:ph type="body"/>
@@ -10864,7 +10920,7 @@
         <p:nvSpPr>
           <p:cNvPr id="83972" name="Rectangle 2"/>
           <p:cNvSpPr txBox="1">
-            <a:spLocks noChangeArrowheads="1"/>
+            <a:spLocks noGrp="1" noChangeArrowheads="1"/>
           </p:cNvSpPr>
           <p:nvPr>
             <p:ph type="body"/>
@@ -10985,7 +11041,7 @@
         <p:nvSpPr>
           <p:cNvPr id="84996" name="Rectangle 2"/>
           <p:cNvSpPr txBox="1">
-            <a:spLocks noChangeArrowheads="1"/>
+            <a:spLocks noGrp="1" noChangeArrowheads="1"/>
           </p:cNvSpPr>
           <p:nvPr>
             <p:ph type="body"/>
@@ -11106,7 +11162,7 @@
         <p:nvSpPr>
           <p:cNvPr id="86020" name="Rectangle 2"/>
           <p:cNvSpPr txBox="1">
-            <a:spLocks noChangeArrowheads="1"/>
+            <a:spLocks noGrp="1" noChangeArrowheads="1"/>
           </p:cNvSpPr>
           <p:nvPr>
             <p:ph type="body"/>
@@ -11227,7 +11283,7 @@
         <p:nvSpPr>
           <p:cNvPr id="87044" name="Rectangle 2"/>
           <p:cNvSpPr txBox="1">
-            <a:spLocks noChangeArrowheads="1"/>
+            <a:spLocks noGrp="1" noChangeArrowheads="1"/>
           </p:cNvSpPr>
           <p:nvPr>
             <p:ph type="body"/>
@@ -11442,7 +11498,7 @@
         <p:nvSpPr>
           <p:cNvPr id="51205" name="Rectangle 3"/>
           <p:cNvSpPr txBox="1">
-            <a:spLocks noChangeArrowheads="1"/>
+            <a:spLocks noGrp="1" noChangeArrowheads="1"/>
           </p:cNvSpPr>
           <p:nvPr>
             <p:ph type="body"/>
@@ -11657,7 +11713,7 @@
         <p:nvSpPr>
           <p:cNvPr id="88069" name="Rectangle 3"/>
           <p:cNvSpPr txBox="1">
-            <a:spLocks noChangeArrowheads="1"/>
+            <a:spLocks noGrp="1" noChangeArrowheads="1"/>
           </p:cNvSpPr>
           <p:nvPr>
             <p:ph type="body"/>
@@ -11872,7 +11928,7 @@
         <p:nvSpPr>
           <p:cNvPr id="89093" name="Rectangle 3"/>
           <p:cNvSpPr txBox="1">
-            <a:spLocks noChangeArrowheads="1"/>
+            <a:spLocks noGrp="1" noChangeArrowheads="1"/>
           </p:cNvSpPr>
           <p:nvPr>
             <p:ph type="body"/>
@@ -12087,7 +12143,7 @@
         <p:nvSpPr>
           <p:cNvPr id="90117" name="Rectangle 3"/>
           <p:cNvSpPr txBox="1">
-            <a:spLocks noChangeArrowheads="1"/>
+            <a:spLocks noGrp="1" noChangeArrowheads="1"/>
           </p:cNvSpPr>
           <p:nvPr>
             <p:ph type="body"/>
@@ -12302,7 +12358,7 @@
         <p:nvSpPr>
           <p:cNvPr id="91141" name="Rectangle 3"/>
           <p:cNvSpPr txBox="1">
-            <a:spLocks noChangeArrowheads="1"/>
+            <a:spLocks noGrp="1" noChangeArrowheads="1"/>
           </p:cNvSpPr>
           <p:nvPr>
             <p:ph type="body"/>
@@ -12517,7 +12573,7 @@
         <p:nvSpPr>
           <p:cNvPr id="92165" name="Rectangle 3"/>
           <p:cNvSpPr txBox="1">
-            <a:spLocks noChangeArrowheads="1"/>
+            <a:spLocks noGrp="1" noChangeArrowheads="1"/>
           </p:cNvSpPr>
           <p:nvPr>
             <p:ph type="body"/>
@@ -12602,7 +12658,7 @@
         <p:nvSpPr>
           <p:cNvPr id="52227" name="Rectangle 1"/>
           <p:cNvSpPr txBox="1">
-            <a:spLocks noChangeArrowheads="1" noTextEdit="1"/>
+            <a:spLocks noGrp="1" noRot="1" noChangeAspect="1" noChangeArrowheads="1" noTextEdit="1"/>
           </p:cNvSpPr>
           <p:nvPr>
             <p:ph type="sldImg"/>
@@ -12620,7 +12676,7 @@
         <p:nvSpPr>
           <p:cNvPr id="52228" name="Rectangle 2"/>
           <p:cNvSpPr txBox="1">
-            <a:spLocks noChangeArrowheads="1"/>
+            <a:spLocks noGrp="1" noChangeArrowheads="1"/>
           </p:cNvSpPr>
           <p:nvPr>
             <p:ph type="body" idx="1"/>
@@ -12705,7 +12761,7 @@
         <p:nvSpPr>
           <p:cNvPr id="53251" name="Rectangle 1"/>
           <p:cNvSpPr txBox="1">
-            <a:spLocks noChangeArrowheads="1" noTextEdit="1"/>
+            <a:spLocks noGrp="1" noRot="1" noChangeAspect="1" noChangeArrowheads="1" noTextEdit="1"/>
           </p:cNvSpPr>
           <p:nvPr>
             <p:ph type="sldImg"/>
@@ -12723,7 +12779,7 @@
         <p:nvSpPr>
           <p:cNvPr id="53252" name="Rectangle 2"/>
           <p:cNvSpPr txBox="1">
-            <a:spLocks noChangeArrowheads="1"/>
+            <a:spLocks noGrp="1" noChangeArrowheads="1"/>
           </p:cNvSpPr>
           <p:nvPr>
             <p:ph type="body" idx="1"/>
@@ -12808,7 +12864,7 @@
         <p:nvSpPr>
           <p:cNvPr id="54275" name="Rectangle 1"/>
           <p:cNvSpPr txBox="1">
-            <a:spLocks noChangeArrowheads="1" noTextEdit="1"/>
+            <a:spLocks noGrp="1" noRot="1" noChangeAspect="1" noChangeArrowheads="1" noTextEdit="1"/>
           </p:cNvSpPr>
           <p:nvPr>
             <p:ph type="sldImg"/>
@@ -12826,7 +12882,7 @@
         <p:nvSpPr>
           <p:cNvPr id="54276" name="Rectangle 2"/>
           <p:cNvSpPr txBox="1">
-            <a:spLocks noChangeArrowheads="1"/>
+            <a:spLocks noGrp="1" noChangeArrowheads="1"/>
           </p:cNvSpPr>
           <p:nvPr>
             <p:ph type="body" idx="1"/>
@@ -12911,7 +12967,7 @@
         <p:nvSpPr>
           <p:cNvPr id="55299" name="Rectangle 1"/>
           <p:cNvSpPr txBox="1">
-            <a:spLocks noChangeArrowheads="1" noTextEdit="1"/>
+            <a:spLocks noGrp="1" noRot="1" noChangeAspect="1" noChangeArrowheads="1" noTextEdit="1"/>
           </p:cNvSpPr>
           <p:nvPr>
             <p:ph type="sldImg"/>
@@ -12929,7 +12985,7 @@
         <p:nvSpPr>
           <p:cNvPr id="55300" name="Rectangle 2"/>
           <p:cNvSpPr txBox="1">
-            <a:spLocks noChangeArrowheads="1"/>
+            <a:spLocks noGrp="1" noChangeArrowheads="1"/>
           </p:cNvSpPr>
           <p:nvPr>
             <p:ph type="body" idx="1"/>
@@ -13014,7 +13070,7 @@
         <p:nvSpPr>
           <p:cNvPr id="56323" name="Rectangle 1"/>
           <p:cNvSpPr txBox="1">
-            <a:spLocks noChangeArrowheads="1" noTextEdit="1"/>
+            <a:spLocks noGrp="1" noRot="1" noChangeAspect="1" noChangeArrowheads="1" noTextEdit="1"/>
           </p:cNvSpPr>
           <p:nvPr>
             <p:ph type="sldImg"/>
@@ -13032,7 +13088,7 @@
         <p:nvSpPr>
           <p:cNvPr id="56324" name="Rectangle 2"/>
           <p:cNvSpPr txBox="1">
-            <a:spLocks noChangeArrowheads="1"/>
+            <a:spLocks noGrp="1" noChangeArrowheads="1"/>
           </p:cNvSpPr>
           <p:nvPr>
             <p:ph type="body" idx="1"/>
@@ -16387,7 +16443,7 @@
   <p:timing>
     <p:tnLst>
       <p:par>
-        <p:cTn id="1" dur="indefinite" nodeType="tmRoot">
+        <p:cTn id="1" dur="indefinite" restart="never" nodeType="tmRoot">
           <p:childTnLst>
             <p:seq concurrent="1" nextAc="seek">
               <p:cTn id="2" dur="indefinite" nodeType="mainSeq"/>
@@ -16877,7 +16933,7 @@
   <p:timing>
     <p:tnLst>
       <p:par>
-        <p:cTn id="1" dur="indefinite" nodeType="tmRoot">
+        <p:cTn id="1" dur="indefinite" restart="never" nodeType="tmRoot">
           <p:childTnLst>
             <p:seq concurrent="1" nextAc="seek">
               <p:cTn id="2" dur="0" nodeType="mainSeq"/>
@@ -17382,7 +17438,7 @@
   <p:timing>
     <p:tnLst>
       <p:par>
-        <p:cTn id="1" dur="indefinite" nodeType="tmRoot">
+        <p:cTn id="1" dur="indefinite" restart="never" nodeType="tmRoot">
           <p:childTnLst>
             <p:seq concurrent="1" nextAc="seek">
               <p:cTn id="2" dur="0" nodeType="mainSeq"/>
@@ -17948,7 +18004,7 @@
   <p:timing>
     <p:tnLst>
       <p:par>
-        <p:cTn id="1" dur="indefinite" nodeType="tmRoot">
+        <p:cTn id="1" dur="indefinite" restart="never" nodeType="tmRoot">
           <p:childTnLst>
             <p:seq concurrent="1" nextAc="seek">
               <p:cTn id="2" dur="0" nodeType="mainSeq"/>
@@ -18596,7 +18652,7 @@
   <p:timing>
     <p:tnLst>
       <p:par>
-        <p:cTn id="1" dur="indefinite" nodeType="tmRoot">
+        <p:cTn id="1" dur="indefinite" restart="never" nodeType="tmRoot">
           <p:childTnLst>
             <p:seq concurrent="1" nextAc="seek">
               <p:cTn id="2" dur="0" nodeType="mainSeq"/>
@@ -19031,7 +19087,7 @@
   <p:timing>
     <p:tnLst>
       <p:par>
-        <p:cTn id="1" dur="indefinite" nodeType="tmRoot">
+        <p:cTn id="1" dur="indefinite" restart="never" nodeType="tmRoot">
           <p:childTnLst>
             <p:seq concurrent="1" nextAc="seek">
               <p:cTn id="2" dur="0" nodeType="mainSeq"/>
@@ -19671,7 +19727,7 @@
   <p:timing>
     <p:tnLst>
       <p:par>
-        <p:cTn id="1" dur="indefinite" nodeType="tmRoot">
+        <p:cTn id="1" dur="indefinite" restart="never" nodeType="tmRoot">
           <p:childTnLst>
             <p:seq concurrent="1" nextAc="seek">
               <p:cTn id="2" dur="0" nodeType="mainSeq"/>
@@ -20107,7 +20163,7 @@
   <p:timing>
     <p:tnLst>
       <p:par>
-        <p:cTn id="1" dur="indefinite" nodeType="tmRoot">
+        <p:cTn id="1" dur="indefinite" restart="never" nodeType="tmRoot">
           <p:childTnLst>
             <p:seq concurrent="1" nextAc="seek">
               <p:cTn id="2" dur="0" nodeType="mainSeq"/>
@@ -20802,7 +20858,7 @@
   <p:timing>
     <p:tnLst>
       <p:par>
-        <p:cTn id="1" dur="indefinite" nodeType="tmRoot">
+        <p:cTn id="1" dur="indefinite" restart="never" nodeType="tmRoot">
           <p:childTnLst>
             <p:seq concurrent="1" nextAc="seek">
               <p:cTn id="2" dur="indefinite" nodeType="mainSeq"/>
@@ -21213,7 +21269,7 @@
   <p:timing>
     <p:tnLst>
       <p:par>
-        <p:cTn id="1" dur="indefinite" nodeType="tmRoot">
+        <p:cTn id="1" dur="indefinite" restart="never" nodeType="tmRoot">
           <p:childTnLst>
             <p:seq concurrent="1" nextAc="seek">
               <p:cTn id="2" dur="indefinite" nodeType="mainSeq"/>
@@ -21770,7 +21826,7 @@
   <p:timing>
     <p:tnLst>
       <p:par>
-        <p:cTn id="1" dur="indefinite" nodeType="tmRoot">
+        <p:cTn id="1" dur="indefinite" restart="never" nodeType="tmRoot">
           <p:childTnLst>
             <p:seq concurrent="1" nextAc="seek">
               <p:cTn id="2" dur="indefinite" nodeType="mainSeq"/>
@@ -22502,7 +22558,7 @@
   <p:timing>
     <p:tnLst>
       <p:par>
-        <p:cTn id="1" dur="indefinite" nodeType="tmRoot">
+        <p:cTn id="1" dur="indefinite" restart="never" nodeType="tmRoot">
           <p:childTnLst>
             <p:seq concurrent="1" nextAc="seek">
               <p:cTn id="2" dur="indefinite" nodeType="mainSeq"/>
@@ -22956,7 +23012,7 @@
   <p:timing>
     <p:tnLst>
       <p:par>
-        <p:cTn id="1" dur="indefinite" nodeType="tmRoot">
+        <p:cTn id="1" dur="indefinite" restart="never" nodeType="tmRoot">
           <p:childTnLst>
             <p:seq concurrent="1" nextAc="seek">
               <p:cTn id="2" dur="indefinite" nodeType="mainSeq"/>
@@ -23346,7 +23402,7 @@
   <p:timing>
     <p:tnLst>
       <p:par>
-        <p:cTn id="1" dur="indefinite" nodeType="tmRoot">
+        <p:cTn id="1" dur="indefinite" restart="never" nodeType="tmRoot">
           <p:childTnLst>
             <p:seq concurrent="1" nextAc="seek">
               <p:cTn id="2" dur="indefinite" nodeType="mainSeq"/>
@@ -23704,7 +23760,7 @@
   <p:timing>
     <p:tnLst>
       <p:par>
-        <p:cTn id="1" dur="indefinite" nodeType="tmRoot">
+        <p:cTn id="1" dur="indefinite" restart="never" nodeType="tmRoot">
           <p:childTnLst>
             <p:seq concurrent="1" nextAc="seek">
               <p:cTn id="2" dur="indefinite" nodeType="mainSeq"/>
@@ -24094,7 +24150,7 @@
   <p:timing>
     <p:tnLst>
       <p:par>
-        <p:cTn id="1" dur="indefinite" nodeType="tmRoot">
+        <p:cTn id="1" dur="indefinite" restart="never" nodeType="tmRoot">
           <p:childTnLst>
             <p:seq concurrent="1" nextAc="seek">
               <p:cTn id="2" dur="indefinite" nodeType="mainSeq"/>
@@ -24452,7 +24508,7 @@
   <p:timing>
     <p:tnLst>
       <p:par>
-        <p:cTn id="1" dur="indefinite" nodeType="tmRoot">
+        <p:cTn id="1" dur="indefinite" restart="never" nodeType="tmRoot">
           <p:childTnLst>
             <p:seq concurrent="1" nextAc="seek">
               <p:cTn id="2" dur="indefinite" nodeType="mainSeq"/>
@@ -25620,7 +25676,7 @@
   <p:timing>
     <p:tnLst>
       <p:par>
-        <p:cTn id="1" dur="indefinite" nodeType="tmRoot">
+        <p:cTn id="1" dur="indefinite" restart="never" nodeType="tmRoot">
           <p:childTnLst>
             <p:seq concurrent="1" nextAc="seek">
               <p:cTn id="2" dur="indefinite" nodeType="mainSeq"/>
@@ -25970,7 +26026,7 @@
   <p:timing>
     <p:tnLst>
       <p:par>
-        <p:cTn id="1" dur="indefinite" nodeType="tmRoot">
+        <p:cTn id="1" dur="indefinite" restart="never" nodeType="tmRoot">
           <p:childTnLst>
             <p:seq concurrent="1" nextAc="seek">
               <p:cTn id="2" dur="indefinite" nodeType="mainSeq"/>
@@ -26320,7 +26376,7 @@
   <p:timing>
     <p:tnLst>
       <p:par>
-        <p:cTn id="1" dur="indefinite" nodeType="tmRoot">
+        <p:cTn id="1" dur="indefinite" restart="never" nodeType="tmRoot">
           <p:childTnLst>
             <p:seq concurrent="1" nextAc="seek">
               <p:cTn id="2" dur="indefinite" nodeType="mainSeq"/>
@@ -26717,7 +26773,7 @@
   <p:timing>
     <p:tnLst>
       <p:par>
-        <p:cTn id="1" dur="indefinite" nodeType="tmRoot">
+        <p:cTn id="1" dur="indefinite" restart="never" nodeType="tmRoot">
           <p:childTnLst>
             <p:seq concurrent="1" nextAc="seek">
               <p:cTn id="2" dur="indefinite" nodeType="mainSeq"/>
@@ -27412,7 +27468,7 @@
   <p:timing>
     <p:tnLst>
       <p:par>
-        <p:cTn id="1" dur="indefinite" nodeType="tmRoot">
+        <p:cTn id="1" dur="indefinite" restart="never" nodeType="tmRoot">
           <p:childTnLst>
             <p:seq concurrent="1" nextAc="seek">
               <p:cTn id="2" dur="indefinite" nodeType="mainSeq"/>
@@ -27661,7 +27717,7 @@
         <p:spPr bwMode="auto">
           <a:xfrm>
             <a:off x="76200" y="5729288"/>
-            <a:ext cx="4953000" cy="368300"/>
+            <a:ext cx="7424758" cy="368300"/>
           </a:xfrm>
           <a:prstGeom prst="rect">
             <a:avLst/>
@@ -27675,7 +27731,7 @@
           </a:ln>
         </p:spPr>
         <p:txBody>
-          <a:bodyPr lIns="90000" tIns="46800" rIns="90000" bIns="46800">
+          <a:bodyPr wrap="square" lIns="90000" tIns="46800" rIns="90000" bIns="46800">
             <a:spAutoFit/>
           </a:bodyPr>
           <a:lstStyle/>
@@ -27709,12 +27765,68 @@
               </a:tabLst>
             </a:pPr>
             <a:r>
-              <a:rPr lang="es-SV">
+              <a:rPr lang="es-SV" b="1" dirty="0" smtClean="0">
                 <a:solidFill>
                   <a:srgbClr val="000000"/>
                 </a:solidFill>
               </a:rPr>
-              <a:t>Presentación, Lógica de Negocio y Datos</a:t>
+              <a:t>MVC</a:t>
+            </a:r>
+            <a:r>
+              <a:rPr lang="es-SV" dirty="0" smtClean="0">
+                <a:solidFill>
+                  <a:srgbClr val="000000"/>
+                </a:solidFill>
+              </a:rPr>
+              <a:t>, con capas lógicas de </a:t>
+            </a:r>
+            <a:r>
+              <a:rPr lang="es-SV" b="1" dirty="0" smtClean="0">
+                <a:solidFill>
+                  <a:srgbClr val="000000"/>
+                </a:solidFill>
+              </a:rPr>
+              <a:t>Presentación</a:t>
+            </a:r>
+            <a:r>
+              <a:rPr lang="es-SV" b="1" dirty="0">
+                <a:solidFill>
+                  <a:srgbClr val="000000"/>
+                </a:solidFill>
+              </a:rPr>
+              <a:t>, </a:t>
+            </a:r>
+            <a:r>
+              <a:rPr lang="es-SV" b="1" dirty="0" smtClean="0">
+                <a:solidFill>
+                  <a:srgbClr val="000000"/>
+                </a:solidFill>
+              </a:rPr>
+              <a:t>Negocio</a:t>
+            </a:r>
+            <a:r>
+              <a:rPr lang="es-SV" dirty="0" smtClean="0">
+                <a:solidFill>
+                  <a:srgbClr val="000000"/>
+                </a:solidFill>
+              </a:rPr>
+              <a:t> </a:t>
+            </a:r>
+            <a:r>
+              <a:rPr lang="es-SV" dirty="0">
+                <a:solidFill>
+                  <a:srgbClr val="000000"/>
+                </a:solidFill>
+              </a:rPr>
+              <a:t>y </a:t>
+            </a:r>
+            <a:r>
+              <a:rPr lang="es-SV" b="1" dirty="0">
+                <a:solidFill>
+                  <a:srgbClr val="000000"/>
+                </a:solidFill>
+              </a:rPr>
+              <a:t>Datos</a:t>
             </a:r>
           </a:p>
         </p:txBody>
@@ -27736,7 +27848,7 @@
         </p:blipFill>
         <p:spPr bwMode="auto">
           <a:xfrm>
-            <a:off x="1676400" y="2009775"/>
+            <a:off x="3138518" y="2009775"/>
             <a:ext cx="5791200" cy="2638425"/>
           </a:xfrm>
           <a:prstGeom prst="rect">
@@ -27751,6 +27863,184 @@
           </a:ln>
         </p:spPr>
       </p:pic>
+      <p:pic>
+        <p:nvPicPr>
+          <p:cNvPr id="7" name="Picture 6"/>
+          <p:cNvPicPr>
+            <a:picLocks noChangeAspect="1" noChangeArrowheads="1"/>
+          </p:cNvPicPr>
+          <p:nvPr/>
+        </p:nvPicPr>
+        <p:blipFill>
+          <a:blip r:embed="rId4" cstate="print"/>
+          <a:srcRect/>
+          <a:stretch>
+            <a:fillRect/>
+          </a:stretch>
+        </p:blipFill>
+        <p:spPr bwMode="auto">
+          <a:xfrm>
+            <a:off x="226844" y="2333631"/>
+            <a:ext cx="1487636" cy="1952625"/>
+          </a:xfrm>
+          <a:prstGeom prst="rect">
+            <a:avLst/>
+          </a:prstGeom>
+          <a:noFill/>
+          <a:ln w="9525">
+            <a:noFill/>
+            <a:round/>
+            <a:headEnd/>
+            <a:tailEnd/>
+          </a:ln>
+        </p:spPr>
+      </p:pic>
+      <p:sp>
+        <p:nvSpPr>
+          <p:cNvPr id="8" name="7 Cheurón"/>
+          <p:cNvSpPr/>
+          <p:nvPr/>
+        </p:nvSpPr>
+        <p:spPr bwMode="auto">
+          <a:xfrm>
+            <a:off x="2357422" y="2143116"/>
+            <a:ext cx="428628" cy="2286016"/>
+          </a:xfrm>
+          <a:prstGeom prst="chevron">
+            <a:avLst/>
+          </a:prstGeom>
+          <a:ln>
+            <a:headEnd type="none" w="med" len="med"/>
+            <a:tailEnd type="none" w="med" len="med"/>
+          </a:ln>
+        </p:spPr>
+        <p:style>
+          <a:lnRef idx="1">
+            <a:schemeClr val="accent1"/>
+          </a:lnRef>
+          <a:fillRef idx="2">
+            <a:schemeClr val="accent1"/>
+          </a:fillRef>
+          <a:effectRef idx="1">
+            <a:schemeClr val="accent1"/>
+          </a:effectRef>
+          <a:fontRef idx="minor">
+            <a:schemeClr val="dk1"/>
+          </a:fontRef>
+        </p:style>
+        <p:txBody>
+          <a:bodyPr vert="horz" wrap="square" lIns="91440" tIns="45720" rIns="91440" bIns="45720" numCol="1" rtlCol="0" anchor="t" anchorCtr="0" compatLnSpc="1">
+            <a:prstTxWarp prst="textNoShape">
+              <a:avLst/>
+            </a:prstTxWarp>
+          </a:bodyPr>
+          <a:lstStyle/>
+          <a:p>
+            <a:pPr marL="0" marR="0" indent="0" algn="l" defTabSz="449263" rtl="0" eaLnBrk="1" fontAlgn="base" latinLnBrk="0" hangingPunct="1">
+              <a:lnSpc>
+                <a:spcPct val="100000"/>
+              </a:lnSpc>
+              <a:spcBef>
+                <a:spcPct val="0"/>
+              </a:spcBef>
+              <a:spcAft>
+                <a:spcPct val="0"/>
+              </a:spcAft>
+              <a:buClr>
+                <a:srgbClr val="000000"/>
+              </a:buClr>
+              <a:buSzPct val="100000"/>
+              <a:buFont typeface="Times New Roman" pitchFamily="16" charset="0"/>
+              <a:buNone/>
+              <a:tabLst/>
+            </a:pPr>
+            <a:endParaRPr kumimoji="0" lang="es-SV" sz="1800" b="0" i="0" u="none" strike="noStrike" cap="none" normalizeH="0" baseline="0" smtClean="0">
+              <a:ln>
+                <a:noFill/>
+              </a:ln>
+              <a:solidFill>
+                <a:schemeClr val="bg1"/>
+              </a:solidFill>
+              <a:effectLst/>
+              <a:latin typeface="Arial" charset="0"/>
+              <a:cs typeface="DejaVu Sans" charset="0"/>
+            </a:endParaRPr>
+          </a:p>
+        </p:txBody>
+      </p:sp>
+      <p:sp>
+        <p:nvSpPr>
+          <p:cNvPr id="9" name="8 Cheurón"/>
+          <p:cNvSpPr/>
+          <p:nvPr/>
+        </p:nvSpPr>
+        <p:spPr bwMode="auto">
+          <a:xfrm>
+            <a:off x="2000232" y="2285992"/>
+            <a:ext cx="428628" cy="2071702"/>
+          </a:xfrm>
+          <a:prstGeom prst="chevron">
+            <a:avLst/>
+          </a:prstGeom>
+          <a:ln>
+            <a:headEnd type="none" w="med" len="med"/>
+            <a:tailEnd type="none" w="med" len="med"/>
+          </a:ln>
+        </p:spPr>
+        <p:style>
+          <a:lnRef idx="1">
+            <a:schemeClr val="accent1"/>
+          </a:lnRef>
+          <a:fillRef idx="2">
+            <a:schemeClr val="accent1"/>
+          </a:fillRef>
+          <a:effectRef idx="1">
+            <a:schemeClr val="accent1"/>
+          </a:effectRef>
+          <a:fontRef idx="minor">
+            <a:schemeClr val="dk1"/>
+          </a:fontRef>
+        </p:style>
+        <p:txBody>
+          <a:bodyPr vert="horz" wrap="square" lIns="91440" tIns="45720" rIns="91440" bIns="45720" numCol="1" rtlCol="0" anchor="t" anchorCtr="0" compatLnSpc="1">
+            <a:prstTxWarp prst="textNoShape">
+              <a:avLst/>
+            </a:prstTxWarp>
+          </a:bodyPr>
+          <a:lstStyle/>
+          <a:p>
+            <a:pPr marL="0" marR="0" indent="0" algn="l" defTabSz="449263" rtl="0" eaLnBrk="1" fontAlgn="base" latinLnBrk="0" hangingPunct="1">
+              <a:lnSpc>
+                <a:spcPct val="100000"/>
+              </a:lnSpc>
+              <a:spcBef>
+                <a:spcPct val="0"/>
+              </a:spcBef>
+              <a:spcAft>
+                <a:spcPct val="0"/>
+              </a:spcAft>
+              <a:buClr>
+                <a:srgbClr val="000000"/>
+              </a:buClr>
+              <a:buSzPct val="100000"/>
+              <a:buFont typeface="Times New Roman" pitchFamily="16" charset="0"/>
+              <a:buNone/>
+              <a:tabLst/>
+            </a:pPr>
+            <a:endParaRPr kumimoji="0" lang="es-SV" sz="1800" b="0" i="0" u="none" strike="noStrike" cap="none" normalizeH="0" baseline="0" smtClean="0">
+              <a:ln>
+                <a:noFill/>
+              </a:ln>
+              <a:solidFill>
+                <a:schemeClr val="bg1"/>
+              </a:solidFill>
+              <a:effectLst/>
+              <a:latin typeface="Arial" charset="0"/>
+              <a:cs typeface="DejaVu Sans" charset="0"/>
+            </a:endParaRPr>
+          </a:p>
+        </p:txBody>
+      </p:sp>
     </p:spTree>
   </p:cSld>
   <p:clrMapOvr>
@@ -27762,7 +28052,7 @@
   <p:timing>
     <p:tnLst>
       <p:par>
-        <p:cTn id="1" dur="indefinite" nodeType="tmRoot">
+        <p:cTn id="1" dur="indefinite" restart="never" nodeType="tmRoot">
           <p:childTnLst>
             <p:seq concurrent="1" nextAc="seek">
               <p:cTn id="2" dur="indefinite" nodeType="mainSeq"/>
@@ -28144,7 +28434,7 @@
   <p:timing>
     <p:tnLst>
       <p:par>
-        <p:cTn id="1" dur="indefinite" nodeType="tmRoot">
+        <p:cTn id="1" dur="indefinite" restart="never" nodeType="tmRoot">
           <p:childTnLst>
             <p:seq concurrent="1" nextAc="seek">
               <p:cTn id="2" dur="indefinite" nodeType="mainSeq"/>
@@ -28823,7 +29113,7 @@
   <p:timing>
     <p:tnLst>
       <p:par>
-        <p:cTn id="1" dur="indefinite" nodeType="tmRoot">
+        <p:cTn id="1" dur="indefinite" restart="never" nodeType="tmRoot">
           <p:childTnLst>
             <p:seq concurrent="1" nextAc="seek">
               <p:cTn id="2" dur="indefinite" nodeType="mainSeq"/>
@@ -29243,7 +29533,7 @@
   <p:timing>
     <p:tnLst>
       <p:par>
-        <p:cTn id="1" dur="indefinite" nodeType="tmRoot">
+        <p:cTn id="1" dur="indefinite" restart="never" nodeType="tmRoot">
           <p:childTnLst>
             <p:seq concurrent="1" nextAc="seek">
               <p:cTn id="2" dur="indefinite" nodeType="mainSeq"/>
@@ -29478,11 +29768,6 @@
               </a:rPr>
               <a:t>Plataforma…</a:t>
             </a:r>
-            <a:endParaRPr lang="es-SV" b="1" dirty="0" smtClean="0">
-              <a:solidFill>
-                <a:srgbClr val="005D8F"/>
-              </a:solidFill>
-            </a:endParaRPr>
           </a:p>
         </p:txBody>
       </p:sp>
@@ -29668,7 +29953,7 @@
   <p:timing>
     <p:tnLst>
       <p:par>
-        <p:cTn id="1" dur="indefinite" nodeType="tmRoot">
+        <p:cTn id="1" dur="indefinite" restart="never" nodeType="tmRoot">
           <p:childTnLst>
             <p:seq concurrent="1" nextAc="seek">
               <p:cTn id="2" dur="indefinite" nodeType="mainSeq"/>
@@ -30347,7 +30632,7 @@
   <p:timing>
     <p:tnLst>
       <p:par>
-        <p:cTn id="1" dur="indefinite" nodeType="tmRoot">
+        <p:cTn id="1" dur="indefinite" restart="never" nodeType="tmRoot">
           <p:childTnLst>
             <p:seq concurrent="1" nextAc="seek">
               <p:cTn id="2" dur="indefinite" nodeType="mainSeq"/>
@@ -31639,7 +31924,7 @@
   <p:timing>
     <p:tnLst>
       <p:par>
-        <p:cTn id="1" dur="indefinite" nodeType="tmRoot">
+        <p:cTn id="1" dur="indefinite" restart="never" nodeType="tmRoot">
           <p:childTnLst>
             <p:seq concurrent="1" nextAc="seek">
               <p:cTn id="2" dur="indefinite" nodeType="mainSeq"/>
@@ -32250,7 +32535,7 @@
   <p:timing>
     <p:tnLst>
       <p:par>
-        <p:cTn id="1" dur="indefinite" nodeType="tmRoot">
+        <p:cTn id="1" dur="indefinite" restart="never" nodeType="tmRoot">
           <p:childTnLst>
             <p:seq concurrent="1" nextAc="seek">
               <p:cTn id="2" dur="indefinite" nodeType="mainSeq"/>
@@ -32900,7 +33185,7 @@
   <p:timing>
     <p:tnLst>
       <p:par>
-        <p:cTn id="1" dur="indefinite" nodeType="tmRoot">
+        <p:cTn id="1" dur="indefinite" restart="never" nodeType="tmRoot">
           <p:childTnLst>
             <p:seq concurrent="1" nextAc="seek">
               <p:cTn id="2" dur="indefinite" nodeType="mainSeq"/>
@@ -33342,7 +33627,7 @@
   <p:timing>
     <p:tnLst>
       <p:par>
-        <p:cTn id="1" dur="indefinite" nodeType="tmRoot">
+        <p:cTn id="1" dur="indefinite" restart="never" nodeType="tmRoot">
           <p:childTnLst>
             <p:seq concurrent="1" nextAc="seek">
               <p:cTn id="2" dur="indefinite" nodeType="mainSeq"/>
@@ -34074,7 +34359,7 @@
   <p:timing>
     <p:tnLst>
       <p:par>
-        <p:cTn id="1" dur="indefinite" nodeType="tmRoot">
+        <p:cTn id="1" dur="indefinite" restart="never" nodeType="tmRoot">
           <p:childTnLst>
             <p:seq concurrent="1" nextAc="seek">
               <p:cTn id="2" dur="indefinite" nodeType="mainSeq"/>
@@ -34489,7 +34774,7 @@
   <p:timing>
     <p:tnLst>
       <p:par>
-        <p:cTn id="1" dur="indefinite" nodeType="tmRoot">
+        <p:cTn id="1" dur="indefinite" restart="never" nodeType="tmRoot">
           <p:childTnLst>
             <p:seq concurrent="1" nextAc="seek">
               <p:cTn id="2" dur="indefinite" nodeType="mainSeq"/>
@@ -35221,7 +35506,7 @@
   <p:timing>
     <p:tnLst>
       <p:par>
-        <p:cTn id="1" dur="indefinite" nodeType="tmRoot">
+        <p:cTn id="1" dur="indefinite" restart="never" nodeType="tmRoot">
           <p:childTnLst>
             <p:seq concurrent="1" nextAc="seek">
               <p:cTn id="2" dur="indefinite" nodeType="mainSeq"/>
@@ -35510,7 +35795,7 @@
   <p:timing>
     <p:tnLst>
       <p:par>
-        <p:cTn id="1" dur="indefinite" nodeType="tmRoot">
+        <p:cTn id="1" dur="indefinite" restart="never" nodeType="tmRoot">
           <p:childTnLst>
             <p:seq concurrent="1" nextAc="seek">
               <p:cTn id="2" dur="indefinite" nodeType="mainSeq"/>
@@ -35793,7 +36078,7 @@
   <p:timing>
     <p:tnLst>
       <p:par>
-        <p:cTn id="1" dur="indefinite" nodeType="tmRoot">
+        <p:cTn id="1" dur="indefinite" restart="never" nodeType="tmRoot">
           <p:childTnLst>
             <p:seq concurrent="1" nextAc="seek">
               <p:cTn id="2" dur="indefinite" nodeType="mainSeq"/>
@@ -36227,7 +36512,7 @@
   <p:timing>
     <p:tnLst>
       <p:par>
-        <p:cTn id="1" dur="indefinite" nodeType="tmRoot">
+        <p:cTn id="1" dur="indefinite" restart="never" nodeType="tmRoot">
           <p:childTnLst>
             <p:seq concurrent="1" nextAc="seek">
               <p:cTn id="2" dur="0" nodeType="mainSeq"/>
@@ -36656,7 +36941,7 @@
   <p:timing>
     <p:tnLst>
       <p:par>
-        <p:cTn id="1" dur="indefinite" nodeType="tmRoot">
+        <p:cTn id="1" dur="indefinite" restart="never" nodeType="tmRoot">
           <p:childTnLst>
             <p:seq concurrent="1" nextAc="seek">
               <p:cTn id="2" dur="0" nodeType="mainSeq"/>
@@ -37056,7 +37341,7 @@
   <p:timing>
     <p:tnLst>
       <p:par>
-        <p:cTn id="1" dur="indefinite" nodeType="tmRoot">
+        <p:cTn id="1" dur="indefinite" restart="never" nodeType="tmRoot">
           <p:childTnLst>
             <p:seq concurrent="1" nextAc="seek">
               <p:cTn id="2" dur="0" nodeType="mainSeq"/>
@@ -37545,7 +37830,7 @@
   <p:timing>
     <p:tnLst>
       <p:par>
-        <p:cTn id="1" dur="indefinite" nodeType="tmRoot">
+        <p:cTn id="1" dur="indefinite" restart="never" nodeType="tmRoot">
           <p:childTnLst>
             <p:seq concurrent="1" nextAc="seek">
               <p:cTn id="2" dur="0" nodeType="mainSeq"/>
@@ -37953,7 +38238,7 @@
   <p:timing>
     <p:tnLst>
       <p:par>
-        <p:cTn id="1" dur="indefinite" nodeType="tmRoot">
+        <p:cTn id="1" dur="indefinite" restart="never" nodeType="tmRoot">
           <p:childTnLst>
             <p:seq concurrent="1" nextAc="seek">
               <p:cTn id="2" dur="0" nodeType="mainSeq"/>
